--- a/assets/document/3. 신분당선 출입관리시스템, 문서보안시스템 개발 기술 구성도.pptx
+++ b/assets/document/3. 신분당선 출입관리시스템, 문서보안시스템 개발 기술 구성도.pptx
@@ -3153,7 +3153,7 @@
           <a:p>
             <a:fld id="{3CF751FE-7217-4038-A7C5-5FD369EADD8B}" type="datetimeFigureOut">
               <a:rPr lang="ko-KR" altLang="en-US" smtClean="0"/>
-              <a:t>2016-09-26</a:t>
+              <a:t>2016-10-11</a:t>
             </a:fld>
             <a:endParaRPr lang="ko-KR" altLang="en-US"/>
           </a:p>
@@ -3321,7 +3321,7 @@
           <a:p>
             <a:fld id="{3CF751FE-7217-4038-A7C5-5FD369EADD8B}" type="datetimeFigureOut">
               <a:rPr lang="ko-KR" altLang="en-US" smtClean="0"/>
-              <a:t>2016-09-26</a:t>
+              <a:t>2016-10-11</a:t>
             </a:fld>
             <a:endParaRPr lang="ko-KR" altLang="en-US"/>
           </a:p>
@@ -3499,7 +3499,7 @@
           <a:p>
             <a:fld id="{3CF751FE-7217-4038-A7C5-5FD369EADD8B}" type="datetimeFigureOut">
               <a:rPr lang="ko-KR" altLang="en-US" smtClean="0"/>
-              <a:t>2016-09-26</a:t>
+              <a:t>2016-10-11</a:t>
             </a:fld>
             <a:endParaRPr lang="ko-KR" altLang="en-US"/>
           </a:p>
@@ -3667,7 +3667,7 @@
           <a:p>
             <a:fld id="{3CF751FE-7217-4038-A7C5-5FD369EADD8B}" type="datetimeFigureOut">
               <a:rPr lang="ko-KR" altLang="en-US" smtClean="0"/>
-              <a:t>2016-09-26</a:t>
+              <a:t>2016-10-11</a:t>
             </a:fld>
             <a:endParaRPr lang="ko-KR" altLang="en-US"/>
           </a:p>
@@ -3912,7 +3912,7 @@
           <a:p>
             <a:fld id="{3CF751FE-7217-4038-A7C5-5FD369EADD8B}" type="datetimeFigureOut">
               <a:rPr lang="ko-KR" altLang="en-US" smtClean="0"/>
-              <a:t>2016-09-26</a:t>
+              <a:t>2016-10-11</a:t>
             </a:fld>
             <a:endParaRPr lang="ko-KR" altLang="en-US"/>
           </a:p>
@@ -4141,7 +4141,7 @@
           <a:p>
             <a:fld id="{3CF751FE-7217-4038-A7C5-5FD369EADD8B}" type="datetimeFigureOut">
               <a:rPr lang="ko-KR" altLang="en-US" smtClean="0"/>
-              <a:t>2016-09-26</a:t>
+              <a:t>2016-10-11</a:t>
             </a:fld>
             <a:endParaRPr lang="ko-KR" altLang="en-US"/>
           </a:p>
@@ -4505,7 +4505,7 @@
           <a:p>
             <a:fld id="{3CF751FE-7217-4038-A7C5-5FD369EADD8B}" type="datetimeFigureOut">
               <a:rPr lang="ko-KR" altLang="en-US" smtClean="0"/>
-              <a:t>2016-09-26</a:t>
+              <a:t>2016-10-11</a:t>
             </a:fld>
             <a:endParaRPr lang="ko-KR" altLang="en-US"/>
           </a:p>
@@ -4622,7 +4622,7 @@
           <a:p>
             <a:fld id="{3CF751FE-7217-4038-A7C5-5FD369EADD8B}" type="datetimeFigureOut">
               <a:rPr lang="ko-KR" altLang="en-US" smtClean="0"/>
-              <a:t>2016-09-26</a:t>
+              <a:t>2016-10-11</a:t>
             </a:fld>
             <a:endParaRPr lang="ko-KR" altLang="en-US"/>
           </a:p>
@@ -4717,7 +4717,7 @@
           <a:p>
             <a:fld id="{3CF751FE-7217-4038-A7C5-5FD369EADD8B}" type="datetimeFigureOut">
               <a:rPr lang="ko-KR" altLang="en-US" smtClean="0"/>
-              <a:t>2016-09-26</a:t>
+              <a:t>2016-10-11</a:t>
             </a:fld>
             <a:endParaRPr lang="ko-KR" altLang="en-US"/>
           </a:p>
@@ -4992,7 +4992,7 @@
           <a:p>
             <a:fld id="{3CF751FE-7217-4038-A7C5-5FD369EADD8B}" type="datetimeFigureOut">
               <a:rPr lang="ko-KR" altLang="en-US" smtClean="0"/>
-              <a:t>2016-09-26</a:t>
+              <a:t>2016-10-11</a:t>
             </a:fld>
             <a:endParaRPr lang="ko-KR" altLang="en-US"/>
           </a:p>
@@ -5244,7 +5244,7 @@
           <a:p>
             <a:fld id="{3CF751FE-7217-4038-A7C5-5FD369EADD8B}" type="datetimeFigureOut">
               <a:rPr lang="ko-KR" altLang="en-US" smtClean="0"/>
-              <a:t>2016-09-26</a:t>
+              <a:t>2016-10-11</a:t>
             </a:fld>
             <a:endParaRPr lang="ko-KR" altLang="en-US"/>
           </a:p>
@@ -5455,7 +5455,7 @@
           <a:p>
             <a:fld id="{3CF751FE-7217-4038-A7C5-5FD369EADD8B}" type="datetimeFigureOut">
               <a:rPr lang="ko-KR" altLang="en-US" smtClean="0"/>
-              <a:t>2016-09-26</a:t>
+              <a:t>2016-10-11</a:t>
             </a:fld>
             <a:endParaRPr lang="ko-KR" altLang="en-US"/>
           </a:p>
@@ -6338,7 +6338,7 @@
                   </a:schemeClr>
                 </a:solidFill>
               </a:rPr>
-              <a:t>. (.NET Web Form)</a:t>
+              <a:t>.</a:t>
             </a:r>
           </a:p>
           <a:p>
@@ -6357,15 +6357,22 @@
               <a:t>담당자 메일 알림 기능 개발</a:t>
             </a:r>
             <a:r>
-              <a:rPr lang="en-US" altLang="ko-KR" sz="1200" b="1" dirty="0">
+              <a:rPr lang="en-US" altLang="ko-KR" sz="1200" b="1">
                 <a:solidFill>
                   <a:schemeClr val="accent1">
                     <a:lumMod val="75000"/>
                   </a:schemeClr>
                 </a:solidFill>
               </a:rPr>
-              <a:t> (SMTP)</a:t>
-            </a:r>
+              <a:t>.</a:t>
+            </a:r>
+            <a:endParaRPr lang="en-US" altLang="ko-KR" sz="1200" b="1" dirty="0">
+              <a:solidFill>
+                <a:schemeClr val="accent1">
+                  <a:lumMod val="75000"/>
+                </a:schemeClr>
+              </a:solidFill>
+            </a:endParaRPr>
           </a:p>
           <a:p>
             <a:pPr marL="171450" indent="-171450">
@@ -6400,7 +6407,7 @@
                   </a:schemeClr>
                 </a:solidFill>
               </a:rPr>
-              <a:t>. (ADO.NET)</a:t>
+              <a:t>.</a:t>
             </a:r>
           </a:p>
         </p:txBody>
